--- a/documentation/p20090423/headroom3.pptx
+++ b/documentation/p20090423/headroom3.pptx
@@ -5,17 +5,18 @@
     <p:sldMasterId id="2147483720" r:id="rId1"/>
   </p:sldMasterIdLst>
   <p:notesMasterIdLst>
-    <p:notesMasterId r:id="rId10"/>
+    <p:notesMasterId r:id="rId11"/>
   </p:notesMasterIdLst>
   <p:sldIdLst>
-    <p:sldId id="263" r:id="rId2"/>
-    <p:sldId id="257" r:id="rId3"/>
-    <p:sldId id="258" r:id="rId4"/>
-    <p:sldId id="264" r:id="rId5"/>
-    <p:sldId id="259" r:id="rId6"/>
-    <p:sldId id="260" r:id="rId7"/>
-    <p:sldId id="265" r:id="rId8"/>
-    <p:sldId id="262" r:id="rId9"/>
+    <p:sldId id="266" r:id="rId2"/>
+    <p:sldId id="263" r:id="rId3"/>
+    <p:sldId id="257" r:id="rId4"/>
+    <p:sldId id="258" r:id="rId5"/>
+    <p:sldId id="264" r:id="rId6"/>
+    <p:sldId id="259" r:id="rId7"/>
+    <p:sldId id="260" r:id="rId8"/>
+    <p:sldId id="265" r:id="rId9"/>
+    <p:sldId id="262" r:id="rId10"/>
   </p:sldIdLst>
   <p:sldSz cx="9144000" cy="6858000" type="screen4x3"/>
   <p:notesSz cx="6858000" cy="9144000"/>
@@ -199,6 +200,7 @@
           <a:p>
             <a:fld id="{A954E90A-DC9A-49D9-9C39-0A966093CB7C}" type="datetimeFigureOut">
               <a:rPr lang="en-US" smtClean="0"/>
+              <a:pPr/>
               <a:t>4/23/2009</a:t>
             </a:fld>
             <a:endParaRPr lang="en-US"/>
@@ -360,6 +362,7 @@
           <a:p>
             <a:fld id="{8CFB83E4-1215-4908-A681-8E44BB3D55F2}" type="slidenum">
               <a:rPr lang="en-US" smtClean="0"/>
+              <a:pPr/>
               <a:t>‹#›</a:t>
             </a:fld>
             <a:endParaRPr lang="en-US"/>
@@ -547,7 +550,8 @@
           <a:p>
             <a:fld id="{8CFB83E4-1215-4908-A681-8E44BB3D55F2}" type="slidenum">
               <a:rPr lang="en-US" smtClean="0"/>
-              <a:t>4</a:t>
+              <a:pPr/>
+              <a:t>5</a:t>
             </a:fld>
             <a:endParaRPr lang="en-US"/>
           </a:p>
@@ -655,7 +659,8 @@
           <a:p>
             <a:fld id="{8CFB83E4-1215-4908-A681-8E44BB3D55F2}" type="slidenum">
               <a:rPr lang="en-US" smtClean="0"/>
-              <a:t>6</a:t>
+              <a:pPr/>
+              <a:t>7</a:t>
             </a:fld>
             <a:endParaRPr lang="en-US"/>
           </a:p>
@@ -876,6 +881,7 @@
           <a:p>
             <a:fld id="{131DA967-4ADC-4C0C-96E3-C4AF1523D2ED}" type="datetimeFigureOut">
               <a:rPr lang="en-US" smtClean="0"/>
+              <a:pPr/>
               <a:t>4/23/2009</a:t>
             </a:fld>
             <a:endParaRPr lang="en-US"/>
@@ -915,6 +921,7 @@
           <a:p>
             <a:fld id="{29B7A5FD-40EA-4292-9756-C666CA7C631D}" type="slidenum">
               <a:rPr lang="en-US" smtClean="0"/>
+              <a:pPr/>
               <a:t>‹#›</a:t>
             </a:fld>
             <a:endParaRPr lang="en-US"/>
@@ -1070,6 +1077,7 @@
           <a:p>
             <a:fld id="{131DA967-4ADC-4C0C-96E3-C4AF1523D2ED}" type="datetimeFigureOut">
               <a:rPr lang="en-US" smtClean="0"/>
+              <a:pPr/>
               <a:t>4/23/2009</a:t>
             </a:fld>
             <a:endParaRPr lang="en-US"/>
@@ -1116,6 +1124,7 @@
           <a:p>
             <a:fld id="{29B7A5FD-40EA-4292-9756-C666CA7C631D}" type="slidenum">
               <a:rPr lang="en-US" smtClean="0"/>
+              <a:pPr/>
               <a:t>‹#›</a:t>
             </a:fld>
             <a:endParaRPr lang="en-US"/>
@@ -1258,6 +1267,7 @@
           <a:p>
             <a:fld id="{131DA967-4ADC-4C0C-96E3-C4AF1523D2ED}" type="datetimeFigureOut">
               <a:rPr lang="en-US" smtClean="0"/>
+              <a:pPr/>
               <a:t>4/23/2009</a:t>
             </a:fld>
             <a:endParaRPr lang="en-US"/>
@@ -1304,6 +1314,7 @@
           <a:p>
             <a:fld id="{29B7A5FD-40EA-4292-9756-C666CA7C631D}" type="slidenum">
               <a:rPr lang="en-US" smtClean="0"/>
+              <a:pPr/>
               <a:t>‹#›</a:t>
             </a:fld>
             <a:endParaRPr lang="en-US"/>
@@ -1487,6 +1498,7 @@
           <a:p>
             <a:fld id="{131DA967-4ADC-4C0C-96E3-C4AF1523D2ED}" type="datetimeFigureOut">
               <a:rPr lang="en-US" smtClean="0"/>
+              <a:pPr/>
               <a:t>4/23/2009</a:t>
             </a:fld>
             <a:endParaRPr lang="en-US"/>
@@ -1533,6 +1545,7 @@
           <a:p>
             <a:fld id="{29B7A5FD-40EA-4292-9756-C666CA7C631D}" type="slidenum">
               <a:rPr lang="en-US" smtClean="0"/>
+              <a:pPr/>
               <a:t>‹#›</a:t>
             </a:fld>
             <a:endParaRPr lang="en-US"/>
@@ -1768,6 +1781,7 @@
           <a:p>
             <a:fld id="{131DA967-4ADC-4C0C-96E3-C4AF1523D2ED}" type="datetimeFigureOut">
               <a:rPr lang="en-US" smtClean="0"/>
+              <a:pPr/>
               <a:t>4/23/2009</a:t>
             </a:fld>
             <a:endParaRPr lang="en-US"/>
@@ -1807,6 +1821,7 @@
           <a:p>
             <a:fld id="{29B7A5FD-40EA-4292-9756-C666CA7C631D}" type="slidenum">
               <a:rPr lang="en-US" smtClean="0"/>
+              <a:pPr/>
               <a:t>‹#›</a:t>
             </a:fld>
             <a:endParaRPr lang="en-US"/>
@@ -2056,6 +2071,7 @@
           <a:p>
             <a:fld id="{131DA967-4ADC-4C0C-96E3-C4AF1523D2ED}" type="datetimeFigureOut">
               <a:rPr lang="en-US" smtClean="0"/>
+              <a:pPr/>
               <a:t>4/23/2009</a:t>
             </a:fld>
             <a:endParaRPr lang="en-US"/>
@@ -2107,6 +2123,7 @@
           <a:p>
             <a:fld id="{29B7A5FD-40EA-4292-9756-C666CA7C631D}" type="slidenum">
               <a:rPr lang="en-US" smtClean="0"/>
+              <a:pPr/>
               <a:t>‹#›</a:t>
             </a:fld>
             <a:endParaRPr lang="en-US"/>
@@ -2610,6 +2627,7 @@
           <a:p>
             <a:fld id="{131DA967-4ADC-4C0C-96E3-C4AF1523D2ED}" type="datetimeFigureOut">
               <a:rPr lang="en-US" smtClean="0"/>
+              <a:pPr/>
               <a:t>4/23/2009</a:t>
             </a:fld>
             <a:endParaRPr lang="en-US"/>
@@ -2661,6 +2679,7 @@
           <a:p>
             <a:fld id="{29B7A5FD-40EA-4292-9756-C666CA7C631D}" type="slidenum">
               <a:rPr lang="en-US" smtClean="0"/>
+              <a:pPr/>
               <a:t>‹#›</a:t>
             </a:fld>
             <a:endParaRPr lang="en-US"/>
@@ -2741,6 +2760,7 @@
           <a:p>
             <a:fld id="{131DA967-4ADC-4C0C-96E3-C4AF1523D2ED}" type="datetimeFigureOut">
               <a:rPr lang="en-US" smtClean="0"/>
+              <a:pPr/>
               <a:t>4/23/2009</a:t>
             </a:fld>
             <a:endParaRPr lang="en-US"/>
@@ -2787,6 +2807,7 @@
           <a:p>
             <a:fld id="{29B7A5FD-40EA-4292-9756-C666CA7C631D}" type="slidenum">
               <a:rPr lang="en-US" smtClean="0"/>
+              <a:pPr/>
               <a:t>‹#›</a:t>
             </a:fld>
             <a:endParaRPr lang="en-US"/>
@@ -2891,6 +2912,7 @@
           <a:p>
             <a:fld id="{131DA967-4ADC-4C0C-96E3-C4AF1523D2ED}" type="datetimeFigureOut">
               <a:rPr lang="en-US" smtClean="0"/>
+              <a:pPr/>
               <a:t>4/23/2009</a:t>
             </a:fld>
             <a:endParaRPr lang="en-US"/>
@@ -2937,6 +2959,7 @@
           <a:p>
             <a:fld id="{29B7A5FD-40EA-4292-9756-C666CA7C631D}" type="slidenum">
               <a:rPr lang="en-US" smtClean="0"/>
+              <a:pPr/>
               <a:t>‹#›</a:t>
             </a:fld>
             <a:endParaRPr lang="en-US"/>
@@ -3212,6 +3235,7 @@
           <a:p>
             <a:fld id="{131DA967-4ADC-4C0C-96E3-C4AF1523D2ED}" type="datetimeFigureOut">
               <a:rPr lang="en-US" smtClean="0"/>
+              <a:pPr/>
               <a:t>4/23/2009</a:t>
             </a:fld>
             <a:endParaRPr lang="en-US"/>
@@ -3251,6 +3275,7 @@
           <a:p>
             <a:fld id="{29B7A5FD-40EA-4292-9756-C666CA7C631D}" type="slidenum">
               <a:rPr lang="en-US" smtClean="0"/>
+              <a:pPr/>
               <a:t>‹#›</a:t>
             </a:fld>
             <a:endParaRPr lang="en-US"/>
@@ -3509,6 +3534,7 @@
           <a:p>
             <a:fld id="{131DA967-4ADC-4C0C-96E3-C4AF1523D2ED}" type="datetimeFigureOut">
               <a:rPr lang="en-US" smtClean="0"/>
+              <a:pPr/>
               <a:t>4/23/2009</a:t>
             </a:fld>
             <a:endParaRPr lang="en-US"/>
@@ -3548,6 +3574,7 @@
           <a:p>
             <a:fld id="{29B7A5FD-40EA-4292-9756-C666CA7C631D}" type="slidenum">
               <a:rPr lang="en-US" smtClean="0"/>
+              <a:pPr/>
               <a:t>‹#›</a:t>
             </a:fld>
             <a:endParaRPr lang="en-US"/>
@@ -3754,6 +3781,7 @@
           <a:p>
             <a:fld id="{131DA967-4ADC-4C0C-96E3-C4AF1523D2ED}" type="datetimeFigureOut">
               <a:rPr lang="en-US" smtClean="0"/>
+              <a:pPr/>
               <a:t>4/23/2009</a:t>
             </a:fld>
             <a:endParaRPr lang="en-US"/>
@@ -3797,6 +3825,7 @@
           <a:p>
             <a:fld id="{29B7A5FD-40EA-4292-9756-C666CA7C631D}" type="slidenum">
               <a:rPr lang="en-US" smtClean="0"/>
+              <a:pPr/>
               <a:t>‹#›</a:t>
             </a:fld>
             <a:endParaRPr lang="en-US"/>
@@ -4244,7 +4273,7 @@
       </p:grpSpPr>
       <p:sp>
         <p:nvSpPr>
-          <p:cNvPr id="2" name="Title 1"/>
+          <p:cNvPr id="4" name="Title 3"/>
           <p:cNvSpPr>
             <a:spLocks noGrp="1"/>
           </p:cNvSpPr>
@@ -4257,10 +4286,9 @@
           <a:bodyPr/>
           <a:lstStyle/>
           <a:p>
-            <a:pPr lvl="0"/>
             <a:r>
               <a:rPr lang="en-US" dirty="0" smtClean="0"/>
-              <a:t>air mouse task menu</a:t>
+              <a:t>head room</a:t>
             </a:r>
             <a:endParaRPr lang="en-US" dirty="0"/>
           </a:p>
@@ -4268,7 +4296,7 @@
       </p:sp>
       <p:sp>
         <p:nvSpPr>
-          <p:cNvPr id="4" name="Subtitle 3"/>
+          <p:cNvPr id="5" name="Subtitle 4"/>
           <p:cNvSpPr>
             <a:spLocks noGrp="1"/>
           </p:cNvSpPr>
@@ -4281,7 +4309,15 @@
           <a:bodyPr/>
           <a:lstStyle/>
           <a:p>
-            <a:endParaRPr lang="en-US"/>
+            <a:r>
+              <a:rPr lang="en-US" dirty="0" err="1" smtClean="0"/>
+              <a:t>jacky</a:t>
+            </a:r>
+            <a:r>
+              <a:rPr lang="en-US" dirty="0" smtClean="0"/>
+              <a:t> j and the hood marauders</a:t>
+            </a:r>
+            <a:endParaRPr lang="en-US" dirty="0"/>
           </a:p>
         </p:txBody>
       </p:sp>
@@ -4290,6 +4326,13 @@
   <p:clrMapOvr>
     <a:masterClrMapping/>
   </p:clrMapOvr>
+  <p:timing>
+    <p:tnLst>
+      <p:par>
+        <p:cTn id="1" dur="indefinite" restart="never" nodeType="tmRoot"/>
+      </p:par>
+    </p:tnLst>
+  </p:timing>
 </p:sld>
 </file>
 
@@ -4322,49 +4365,75 @@
         </p:nvSpPr>
         <p:spPr/>
         <p:txBody>
-          <a:bodyPr>
-            <a:normAutofit/>
-          </a:bodyPr>
-          <a:lstStyle/>
-          <a:p>
-            <a:pPr lvl="0"/>
-            <a:r>
-              <a:rPr lang="en-US" dirty="0" smtClean="0"/>
-              <a:t>selection</a:t>
-            </a:r>
-            <a:endParaRPr lang="en-US" dirty="0"/>
-          </a:p>
-        </p:txBody>
-      </p:sp>
-      <p:sp>
-        <p:nvSpPr>
-          <p:cNvPr id="3" name="Content Placeholder 2"/>
-          <p:cNvSpPr>
-            <a:spLocks noGrp="1"/>
-          </p:cNvSpPr>
-          <p:nvPr>
-            <p:ph type="subTitle" idx="1"/>
-          </p:nvPr>
-        </p:nvSpPr>
-        <p:spPr/>
-        <p:txBody>
           <a:bodyPr/>
           <a:lstStyle/>
           <a:p>
             <a:pPr lvl="0"/>
             <a:r>
               <a:rPr lang="en-US" dirty="0" smtClean="0"/>
-              <a:t>the wand</a:t>
+              <a:t>air mouse task menu</a:t>
             </a:r>
             <a:endParaRPr lang="en-US" dirty="0"/>
           </a:p>
         </p:txBody>
       </p:sp>
+      <p:sp>
+        <p:nvSpPr>
+          <p:cNvPr id="4" name="Subtitle 3"/>
+          <p:cNvSpPr>
+            <a:spLocks noGrp="1"/>
+          </p:cNvSpPr>
+          <p:nvPr>
+            <p:ph type="subTitle" idx="1"/>
+          </p:nvPr>
+        </p:nvSpPr>
+        <p:spPr/>
+        <p:txBody>
+          <a:bodyPr/>
+          <a:lstStyle/>
+          <a:p>
+            <a:endParaRPr lang="en-US"/>
+          </a:p>
+        </p:txBody>
+      </p:sp>
+      <p:pic>
+        <p:nvPicPr>
+          <p:cNvPr id="1026" name="Picture 2" descr="C:\Users\dm2241\Desktop\4172 project\hoodmarauders\bin\x86\Debug\ScreenShot.jpg"/>
+          <p:cNvPicPr>
+            <a:picLocks noChangeAspect="1" noChangeArrowheads="1"/>
+          </p:cNvPicPr>
+          <p:nvPr/>
+        </p:nvPicPr>
+        <p:blipFill>
+          <a:blip r:embed="rId2"/>
+          <a:srcRect/>
+          <a:stretch>
+            <a:fillRect/>
+          </a:stretch>
+        </p:blipFill>
+        <p:spPr bwMode="auto">
+          <a:xfrm>
+            <a:off x="685800" y="3581400"/>
+            <a:ext cx="3657599" cy="2743200"/>
+          </a:xfrm>
+          <a:prstGeom prst="rect">
+            <a:avLst/>
+          </a:prstGeom>
+          <a:noFill/>
+        </p:spPr>
+      </p:pic>
     </p:spTree>
   </p:cSld>
   <p:clrMapOvr>
     <a:masterClrMapping/>
   </p:clrMapOvr>
+  <p:timing>
+    <p:tnLst>
+      <p:par>
+        <p:cTn id="1" dur="indefinite" restart="never" nodeType="tmRoot"/>
+      </p:par>
+    </p:tnLst>
+  </p:timing>
 </p:sld>
 </file>
 
@@ -4402,9 +4471,10 @@
           </a:bodyPr>
           <a:lstStyle/>
           <a:p>
+            <a:pPr lvl="0"/>
             <a:r>
               <a:rPr lang="en-US" dirty="0" smtClean="0"/>
-              <a:t>3d text</a:t>
+              <a:t>selection</a:t>
             </a:r>
             <a:endParaRPr lang="en-US" dirty="0"/>
           </a:p>
@@ -4428,21 +4498,72 @@
             <a:pPr lvl="0"/>
             <a:r>
               <a:rPr lang="en-US" dirty="0" smtClean="0"/>
-              <a:t>an extension of </a:t>
-            </a:r>
-            <a:r>
-              <a:rPr lang="en-US" dirty="0" err="1" smtClean="0"/>
-              <a:t>GoblinXNA</a:t>
+              <a:t>the wand</a:t>
             </a:r>
             <a:endParaRPr lang="en-US" dirty="0"/>
           </a:p>
         </p:txBody>
       </p:sp>
+      <p:pic>
+        <p:nvPicPr>
+          <p:cNvPr id="6" name="Picture 5" descr="pointer1.gif"/>
+          <p:cNvPicPr>
+            <a:picLocks noChangeAspect="1"/>
+          </p:cNvPicPr>
+          <p:nvPr/>
+        </p:nvPicPr>
+        <p:blipFill>
+          <a:blip r:embed="rId2"/>
+          <a:stretch>
+            <a:fillRect/>
+          </a:stretch>
+        </p:blipFill>
+        <p:spPr>
+          <a:xfrm>
+            <a:off x="6019800" y="4267200"/>
+            <a:ext cx="2286000" cy="2078182"/>
+          </a:xfrm>
+          <a:prstGeom prst="rect">
+            <a:avLst/>
+          </a:prstGeom>
+        </p:spPr>
+      </p:pic>
+      <p:pic>
+        <p:nvPicPr>
+          <p:cNvPr id="7" name="Picture 6" descr="pointer3.gif"/>
+          <p:cNvPicPr>
+            <a:picLocks noChangeAspect="1"/>
+          </p:cNvPicPr>
+          <p:nvPr/>
+        </p:nvPicPr>
+        <p:blipFill>
+          <a:blip r:embed="rId3"/>
+          <a:stretch>
+            <a:fillRect/>
+          </a:stretch>
+        </p:blipFill>
+        <p:spPr>
+          <a:xfrm>
+            <a:off x="457200" y="4267200"/>
+            <a:ext cx="4391025" cy="2152650"/>
+          </a:xfrm>
+          <a:prstGeom prst="rect">
+            <a:avLst/>
+          </a:prstGeom>
+        </p:spPr>
+      </p:pic>
     </p:spTree>
   </p:cSld>
   <p:clrMapOvr>
     <a:masterClrMapping/>
   </p:clrMapOvr>
+  <p:timing>
+    <p:tnLst>
+      <p:par>
+        <p:cTn id="1" dur="indefinite" restart="never" nodeType="tmRoot"/>
+      </p:par>
+    </p:tnLst>
+  </p:timing>
 </p:sld>
 </file>
 
@@ -4475,60 +4596,85 @@
         </p:nvSpPr>
         <p:spPr/>
         <p:txBody>
+          <a:bodyPr>
+            <a:normAutofit/>
+          </a:bodyPr>
+          <a:lstStyle/>
+          <a:p>
+            <a:r>
+              <a:rPr lang="en-US" dirty="0" smtClean="0"/>
+              <a:t>3d text</a:t>
+            </a:r>
+            <a:endParaRPr lang="en-US" dirty="0"/>
+          </a:p>
+        </p:txBody>
+      </p:sp>
+      <p:sp>
+        <p:nvSpPr>
+          <p:cNvPr id="3" name="Content Placeholder 2"/>
+          <p:cNvSpPr>
+            <a:spLocks noGrp="1"/>
+          </p:cNvSpPr>
+          <p:nvPr>
+            <p:ph type="subTitle" idx="1"/>
+          </p:nvPr>
+        </p:nvSpPr>
+        <p:spPr/>
+        <p:txBody>
           <a:bodyPr/>
           <a:lstStyle/>
           <a:p>
             <a:pPr lvl="0"/>
             <a:r>
               <a:rPr lang="en-US" dirty="0" smtClean="0"/>
-              <a:t>data</a:t>
-            </a:r>
-            <a:r>
-              <a:rPr lang="en-US" baseline="0" dirty="0" smtClean="0"/>
-              <a:t> load</a:t>
+              <a:t>an extension of </a:t>
+            </a:r>
+            <a:r>
+              <a:rPr lang="en-US" dirty="0" err="1" smtClean="0"/>
+              <a:t>GoblinXNA</a:t>
             </a:r>
             <a:endParaRPr lang="en-US" dirty="0"/>
           </a:p>
         </p:txBody>
       </p:sp>
-      <p:sp>
-        <p:nvSpPr>
-          <p:cNvPr id="4" name="Subtitle 3"/>
-          <p:cNvSpPr>
-            <a:spLocks noGrp="1"/>
-          </p:cNvSpPr>
-          <p:nvPr>
-            <p:ph type="subTitle" idx="1"/>
-          </p:nvPr>
-        </p:nvSpPr>
-        <p:spPr/>
-        <p:txBody>
-          <a:bodyPr/>
-          <a:lstStyle/>
-          <a:p>
-            <a:r>
-              <a:rPr lang="en-US" dirty="0" smtClean="0"/>
-              <a:t>combination of sources</a:t>
-            </a:r>
-          </a:p>
-          <a:p>
-            <a:r>
-              <a:rPr lang="en-US" dirty="0" err="1" smtClean="0"/>
-              <a:t>csv</a:t>
-            </a:r>
-            <a:r>
-              <a:rPr lang="en-US" dirty="0" smtClean="0"/>
-              <a:t> extended</a:t>
-            </a:r>
-            <a:endParaRPr lang="en-US" dirty="0"/>
-          </a:p>
-        </p:txBody>
-      </p:sp>
+      <p:pic>
+        <p:nvPicPr>
+          <p:cNvPr id="4" name="Picture 2" descr="C:\Users\dm2241\Desktop\4172 project\hoodmarauders\bin\x86\Debug\ScreenShot.jpg"/>
+          <p:cNvPicPr>
+            <a:picLocks noChangeAspect="1" noChangeArrowheads="1"/>
+          </p:cNvPicPr>
+          <p:nvPr/>
+        </p:nvPicPr>
+        <p:blipFill>
+          <a:blip r:embed="rId2"/>
+          <a:srcRect/>
+          <a:stretch>
+            <a:fillRect/>
+          </a:stretch>
+        </p:blipFill>
+        <p:spPr bwMode="auto">
+          <a:xfrm>
+            <a:off x="685800" y="3505200"/>
+            <a:ext cx="3810000" cy="2857500"/>
+          </a:xfrm>
+          <a:prstGeom prst="rect">
+            <a:avLst/>
+          </a:prstGeom>
+          <a:noFill/>
+        </p:spPr>
+      </p:pic>
     </p:spTree>
   </p:cSld>
   <p:clrMapOvr>
     <a:masterClrMapping/>
   </p:clrMapOvr>
+  <p:timing>
+    <p:tnLst>
+      <p:par>
+        <p:cTn id="1" dur="indefinite" restart="never" nodeType="tmRoot"/>
+      </p:par>
+    </p:tnLst>
+  </p:timing>
 </p:sld>
 </file>
 
@@ -4561,14 +4707,17 @@
         </p:nvSpPr>
         <p:spPr/>
         <p:txBody>
-          <a:bodyPr>
-            <a:normAutofit/>
-          </a:bodyPr>
+          <a:bodyPr/>
           <a:lstStyle/>
           <a:p>
+            <a:pPr lvl="0"/>
             <a:r>
               <a:rPr lang="en-US" dirty="0" smtClean="0"/>
-              <a:t>class structure</a:t>
+              <a:t>data</a:t>
+            </a:r>
+            <a:r>
+              <a:rPr lang="en-US" baseline="0" dirty="0" smtClean="0"/>
+              <a:t> load</a:t>
             </a:r>
             <a:endParaRPr lang="en-US" dirty="0"/>
           </a:p>
@@ -4576,7 +4725,7 @@
       </p:sp>
       <p:sp>
         <p:nvSpPr>
-          <p:cNvPr id="3" name="Content Placeholder 2"/>
+          <p:cNvPr id="4" name="Subtitle 3"/>
           <p:cNvSpPr>
             <a:spLocks noGrp="1"/>
           </p:cNvSpPr>
@@ -4586,30 +4735,24 @@
         </p:nvSpPr>
         <p:spPr/>
         <p:txBody>
-          <a:bodyPr>
-            <a:normAutofit/>
-          </a:bodyPr>
+          <a:bodyPr/>
           <a:lstStyle/>
           <a:p>
-            <a:pPr lvl="0"/>
             <a:r>
               <a:rPr lang="en-US" dirty="0" smtClean="0"/>
-              <a:t>lots</a:t>
-            </a:r>
-          </a:p>
-          <a:p>
-            <a:pPr lvl="0"/>
+              <a:t>combination of sources</a:t>
+            </a:r>
+          </a:p>
+          <a:p>
+            <a:r>
+              <a:rPr lang="en-US" dirty="0" err="1" smtClean="0"/>
+              <a:t>csv</a:t>
+            </a:r>
             <a:r>
               <a:rPr lang="en-US" dirty="0" smtClean="0"/>
-              <a:t>buildings</a:t>
-            </a:r>
-          </a:p>
-          <a:p>
-            <a:pPr lvl="0"/>
-            <a:r>
-              <a:rPr lang="en-US" dirty="0" smtClean="0"/>
-              <a:t>handles</a:t>
-            </a:r>
+              <a:t> extended</a:t>
+            </a:r>
+            <a:endParaRPr lang="en-US" dirty="0"/>
           </a:p>
         </p:txBody>
       </p:sp>
@@ -4618,10 +4761,340 @@
   <p:clrMapOvr>
     <a:masterClrMapping/>
   </p:clrMapOvr>
+  <p:timing>
+    <p:tnLst>
+      <p:par>
+        <p:cTn id="1" dur="indefinite" restart="never" nodeType="tmRoot"/>
+      </p:par>
+    </p:tnLst>
+  </p:timing>
 </p:sld>
 </file>
 
 <file path=ppt/slides/slide6.xml><?xml version="1.0" encoding="utf-8"?>
+<p:sld xmlns:a="http://schemas.openxmlformats.org/drawingml/2006/main" xmlns:r="http://schemas.openxmlformats.org/officeDocument/2006/relationships" xmlns:p="http://schemas.openxmlformats.org/presentationml/2006/main">
+  <p:cSld>
+    <p:spTree>
+      <p:nvGrpSpPr>
+        <p:cNvPr id="1" name=""/>
+        <p:cNvGrpSpPr/>
+        <p:nvPr/>
+      </p:nvGrpSpPr>
+      <p:grpSpPr>
+        <a:xfrm>
+          <a:off x="0" y="0"/>
+          <a:ext cx="0" cy="0"/>
+          <a:chOff x="0" y="0"/>
+          <a:chExt cx="0" cy="0"/>
+        </a:xfrm>
+      </p:grpSpPr>
+      <p:sp>
+        <p:nvSpPr>
+          <p:cNvPr id="2" name="Title 1"/>
+          <p:cNvSpPr>
+            <a:spLocks noGrp="1"/>
+          </p:cNvSpPr>
+          <p:nvPr>
+            <p:ph type="ctrTitle"/>
+          </p:nvPr>
+        </p:nvSpPr>
+        <p:spPr/>
+        <p:txBody>
+          <a:bodyPr>
+            <a:normAutofit/>
+          </a:bodyPr>
+          <a:lstStyle/>
+          <a:p>
+            <a:r>
+              <a:rPr lang="en-US" dirty="0" smtClean="0"/>
+              <a:t>class structure</a:t>
+            </a:r>
+            <a:endParaRPr lang="en-US" dirty="0"/>
+          </a:p>
+        </p:txBody>
+      </p:sp>
+      <p:sp>
+        <p:nvSpPr>
+          <p:cNvPr id="3" name="Content Placeholder 2"/>
+          <p:cNvSpPr>
+            <a:spLocks noGrp="1"/>
+          </p:cNvSpPr>
+          <p:nvPr>
+            <p:ph type="subTitle" idx="1"/>
+          </p:nvPr>
+        </p:nvSpPr>
+        <p:spPr/>
+        <p:txBody>
+          <a:bodyPr>
+            <a:normAutofit/>
+          </a:bodyPr>
+          <a:lstStyle/>
+          <a:p>
+            <a:pPr lvl="0"/>
+            <a:r>
+              <a:rPr lang="en-US" dirty="0" smtClean="0"/>
+              <a:t>lots</a:t>
+            </a:r>
+          </a:p>
+          <a:p>
+            <a:pPr lvl="0"/>
+            <a:r>
+              <a:rPr lang="en-US" dirty="0" smtClean="0"/>
+              <a:t>buildings</a:t>
+            </a:r>
+          </a:p>
+          <a:p>
+            <a:pPr lvl="0"/>
+            <a:r>
+              <a:rPr lang="en-US" dirty="0" smtClean="0"/>
+              <a:t>handles</a:t>
+            </a:r>
+          </a:p>
+        </p:txBody>
+      </p:sp>
+      <p:sp>
+        <p:nvSpPr>
+          <p:cNvPr id="4" name="TextBox 3"/>
+          <p:cNvSpPr txBox="1"/>
+          <p:nvPr/>
+        </p:nvSpPr>
+        <p:spPr>
+          <a:xfrm>
+            <a:off x="457200" y="1759089"/>
+            <a:ext cx="3066224" cy="5632311"/>
+          </a:xfrm>
+          <a:prstGeom prst="rect">
+            <a:avLst/>
+          </a:prstGeom>
+          <a:noFill/>
+        </p:spPr>
+        <p:txBody>
+          <a:bodyPr wrap="square" rtlCol="0">
+            <a:spAutoFit/>
+          </a:bodyPr>
+          <a:lstStyle/>
+          <a:p>
+            <a:r>
+              <a:rPr lang="en-US" b="1" u="sng" dirty="0" smtClean="0"/>
+              <a:t>Revision 37</a:t>
+            </a:r>
+            <a:endParaRPr lang="en-US" dirty="0" smtClean="0"/>
+          </a:p>
+          <a:p>
+            <a:r>
+              <a:rPr lang="en-US" b="1" dirty="0" err="1" smtClean="0"/>
+              <a:t>Building.cs</a:t>
+            </a:r>
+            <a:endParaRPr lang="en-US" dirty="0" smtClean="0"/>
+          </a:p>
+          <a:p>
+            <a:r>
+              <a:rPr lang="en-US" b="1" dirty="0" err="1" smtClean="0"/>
+              <a:t>Data.cs</a:t>
+            </a:r>
+            <a:endParaRPr lang="en-US" dirty="0" smtClean="0"/>
+          </a:p>
+          <a:p>
+            <a:r>
+              <a:rPr lang="en-US" b="1" dirty="0" err="1" smtClean="0"/>
+              <a:t>Lot.cs</a:t>
+            </a:r>
+            <a:endParaRPr lang="en-US" dirty="0" smtClean="0"/>
+          </a:p>
+          <a:p>
+            <a:r>
+              <a:rPr lang="en-US" dirty="0" err="1" smtClean="0"/>
+              <a:t>Manhattanville.cs</a:t>
+            </a:r>
+            <a:endParaRPr lang="en-US" dirty="0" smtClean="0"/>
+          </a:p>
+          <a:p>
+            <a:r>
+              <a:rPr lang="en-US" dirty="0" err="1" smtClean="0"/>
+              <a:t>Program.cs</a:t>
+            </a:r>
+            <a:endParaRPr lang="en-US" dirty="0" smtClean="0"/>
+          </a:p>
+          <a:p>
+            <a:r>
+              <a:rPr lang="en-US" b="1" dirty="0" err="1" smtClean="0"/>
+              <a:t>Settings.cs</a:t>
+            </a:r>
+            <a:endParaRPr lang="en-US" dirty="0" smtClean="0"/>
+          </a:p>
+          <a:p>
+            <a:r>
+              <a:rPr lang="en-US" b="1" dirty="0" err="1" smtClean="0"/>
+              <a:t>TexturedBox.cs</a:t>
+            </a:r>
+            <a:endParaRPr lang="en-US" dirty="0" smtClean="0"/>
+          </a:p>
+          <a:p>
+            <a:r>
+              <a:rPr lang="en-US" b="1" dirty="0" err="1" smtClean="0"/>
+              <a:t>Tool.cs</a:t>
+            </a:r>
+            <a:endParaRPr lang="en-US" dirty="0" smtClean="0"/>
+          </a:p>
+          <a:p>
+            <a:r>
+              <a:rPr lang="en-US" b="1" dirty="0" err="1" smtClean="0"/>
+              <a:t>Utilities.cs</a:t>
+            </a:r>
+            <a:endParaRPr lang="en-US" dirty="0" smtClean="0"/>
+          </a:p>
+          <a:p>
+            <a:r>
+              <a:rPr lang="en-US" dirty="0" smtClean="0"/>
+              <a:t>building-info.csv</a:t>
+            </a:r>
+          </a:p>
+          <a:p>
+            <a:r>
+              <a:rPr lang="en-US" dirty="0" smtClean="0"/>
+              <a:t>buildings_detailed.csv</a:t>
+            </a:r>
+          </a:p>
+          <a:p>
+            <a:r>
+              <a:rPr lang="en-US" dirty="0" smtClean="0"/>
+              <a:t>buildings_plain.csv</a:t>
+            </a:r>
+          </a:p>
+          <a:p>
+            <a:r>
+              <a:rPr lang="en-US" dirty="0" smtClean="0"/>
+              <a:t>buildings_plain_subset.csv</a:t>
+            </a:r>
+          </a:p>
+          <a:p>
+            <a:r>
+              <a:rPr lang="en-US" dirty="0" smtClean="0"/>
+              <a:t>manhattanville.xml</a:t>
+            </a:r>
+          </a:p>
+          <a:p>
+            <a:r>
+              <a:rPr lang="en-US" b="1" dirty="0" smtClean="0"/>
+              <a:t>pointer3.pdf</a:t>
+            </a:r>
+            <a:endParaRPr lang="en-US" dirty="0" smtClean="0"/>
+          </a:p>
+          <a:p>
+            <a:r>
+              <a:rPr lang="en-US" dirty="0" smtClean="0"/>
+              <a:t/>
+            </a:r>
+            <a:br>
+              <a:rPr lang="en-US" dirty="0" smtClean="0"/>
+            </a:br>
+            <a:endParaRPr lang="en-US" dirty="0" smtClean="0"/>
+          </a:p>
+          <a:p>
+            <a:endParaRPr lang="en-US" dirty="0" smtClean="0"/>
+          </a:p>
+          <a:p>
+            <a:endParaRPr lang="en-US" dirty="0"/>
+          </a:p>
+        </p:txBody>
+      </p:sp>
+      <p:sp>
+        <p:nvSpPr>
+          <p:cNvPr id="5" name="TextBox 4"/>
+          <p:cNvSpPr txBox="1"/>
+          <p:nvPr/>
+        </p:nvSpPr>
+        <p:spPr>
+          <a:xfrm>
+            <a:off x="3886200" y="4272677"/>
+            <a:ext cx="3066224" cy="2585323"/>
+          </a:xfrm>
+          <a:prstGeom prst="rect">
+            <a:avLst/>
+          </a:prstGeom>
+          <a:noFill/>
+        </p:spPr>
+        <p:txBody>
+          <a:bodyPr wrap="none" rtlCol="0">
+            <a:spAutoFit/>
+          </a:bodyPr>
+          <a:lstStyle/>
+          <a:p>
+            <a:r>
+              <a:rPr lang="en-US" b="1" u="sng" dirty="0" smtClean="0"/>
+              <a:t>Revision 17</a:t>
+            </a:r>
+            <a:endParaRPr lang="en-US" dirty="0" smtClean="0"/>
+          </a:p>
+          <a:p>
+            <a:r>
+              <a:rPr lang="en-US" dirty="0" err="1" smtClean="0"/>
+              <a:t>Manhattanville.cs</a:t>
+            </a:r>
+            <a:r>
+              <a:rPr lang="en-US" dirty="0" smtClean="0"/>
+              <a:t> </a:t>
+            </a:r>
+          </a:p>
+          <a:p>
+            <a:r>
+              <a:rPr lang="en-US" dirty="0" err="1" smtClean="0"/>
+              <a:t>Program.cs</a:t>
+            </a:r>
+            <a:endParaRPr lang="en-US" dirty="0" smtClean="0"/>
+          </a:p>
+          <a:p>
+            <a:r>
+              <a:rPr lang="en-US" dirty="0" smtClean="0"/>
+              <a:t>buildings_detailed.csv</a:t>
+            </a:r>
+          </a:p>
+          <a:p>
+            <a:r>
+              <a:rPr lang="en-US" dirty="0" smtClean="0"/>
+              <a:t>buildings_plain.csv</a:t>
+            </a:r>
+          </a:p>
+          <a:p>
+            <a:r>
+              <a:rPr lang="en-US" dirty="0" smtClean="0"/>
+              <a:t>buildings_plain_subset.csv</a:t>
+            </a:r>
+          </a:p>
+          <a:p>
+            <a:r>
+              <a:rPr lang="en-US" dirty="0" smtClean="0"/>
+              <a:t>manhattanville.xml</a:t>
+            </a:r>
+          </a:p>
+          <a:p>
+            <a:r>
+              <a:rPr lang="en-US" dirty="0" smtClean="0"/>
+              <a:t/>
+            </a:r>
+            <a:br>
+              <a:rPr lang="en-US" dirty="0" smtClean="0"/>
+            </a:br>
+            <a:endParaRPr lang="en-US" dirty="0"/>
+          </a:p>
+        </p:txBody>
+      </p:sp>
+    </p:spTree>
+  </p:cSld>
+  <p:clrMapOvr>
+    <a:masterClrMapping/>
+  </p:clrMapOvr>
+  <p:timing>
+    <p:tnLst>
+      <p:par>
+        <p:cTn id="1" dur="indefinite" restart="never" nodeType="tmRoot"/>
+      </p:par>
+    </p:tnLst>
+  </p:timing>
+</p:sld>
+</file>
+
+<file path=ppt/slides/slide7.xml><?xml version="1.0" encoding="utf-8"?>
 <p:sld xmlns:a="http://schemas.openxmlformats.org/drawingml/2006/main" xmlns:r="http://schemas.openxmlformats.org/officeDocument/2006/relationships" xmlns:p="http://schemas.openxmlformats.org/presentationml/2006/main">
   <p:cSld>
     <p:spTree>
@@ -4868,100 +5341,6 @@
 </p:sld>
 </file>
 
-<file path=ppt/slides/slide7.xml><?xml version="1.0" encoding="utf-8"?>
-<p:sld xmlns:a="http://schemas.openxmlformats.org/drawingml/2006/main" xmlns:r="http://schemas.openxmlformats.org/officeDocument/2006/relationships" xmlns:p="http://schemas.openxmlformats.org/presentationml/2006/main">
-  <p:cSld>
-    <p:spTree>
-      <p:nvGrpSpPr>
-        <p:cNvPr id="1" name=""/>
-        <p:cNvGrpSpPr/>
-        <p:nvPr/>
-      </p:nvGrpSpPr>
-      <p:grpSpPr>
-        <a:xfrm>
-          <a:off x="0" y="0"/>
-          <a:ext cx="0" cy="0"/>
-          <a:chOff x="0" y="0"/>
-          <a:chExt cx="0" cy="0"/>
-        </a:xfrm>
-      </p:grpSpPr>
-      <p:sp>
-        <p:nvSpPr>
-          <p:cNvPr id="2" name="Title 1"/>
-          <p:cNvSpPr>
-            <a:spLocks noGrp="1"/>
-          </p:cNvSpPr>
-          <p:nvPr>
-            <p:ph type="ctrTitle"/>
-          </p:nvPr>
-        </p:nvSpPr>
-        <p:spPr/>
-        <p:txBody>
-          <a:bodyPr/>
-          <a:lstStyle/>
-          <a:p>
-            <a:r>
-              <a:rPr lang="en-US" dirty="0" smtClean="0"/>
-              <a:t>errors and solutions</a:t>
-            </a:r>
-            <a:endParaRPr lang="en-US" dirty="0"/>
-          </a:p>
-        </p:txBody>
-      </p:sp>
-      <p:sp>
-        <p:nvSpPr>
-          <p:cNvPr id="3" name="Content Placeholder 2"/>
-          <p:cNvSpPr>
-            <a:spLocks noGrp="1"/>
-          </p:cNvSpPr>
-          <p:nvPr>
-            <p:ph type="subTitle" idx="1"/>
-          </p:nvPr>
-        </p:nvSpPr>
-        <p:spPr>
-          <a:xfrm>
-            <a:off x="762000" y="2819400"/>
-            <a:ext cx="7931834" cy="1752600"/>
-          </a:xfrm>
-        </p:spPr>
-        <p:txBody>
-          <a:bodyPr/>
-          <a:lstStyle/>
-          <a:p>
-            <a:r>
-              <a:rPr lang="en-US" dirty="0" err="1" smtClean="0"/>
-              <a:t>csv</a:t>
-            </a:r>
-            <a:r>
-              <a:rPr lang="en-US" dirty="0" smtClean="0"/>
-              <a:t> &gt;&gt; </a:t>
-            </a:r>
-            <a:r>
-              <a:rPr lang="en-US" dirty="0" err="1" smtClean="0"/>
-              <a:t>compilible</a:t>
-            </a:r>
-            <a:r>
-              <a:rPr lang="en-US" dirty="0" smtClean="0"/>
-              <a:t> = "package error“</a:t>
-            </a:r>
-          </a:p>
-          <a:p>
-            <a:r>
-              <a:rPr lang="en-US" dirty="0" smtClean="0"/>
-              <a:t>sharing project files</a:t>
-            </a:r>
-            <a:endParaRPr lang="en-US" dirty="0"/>
-          </a:p>
-        </p:txBody>
-      </p:sp>
-    </p:spTree>
-  </p:cSld>
-  <p:clrMapOvr>
-    <a:masterClrMapping/>
-  </p:clrMapOvr>
-</p:sld>
-</file>
-
 <file path=ppt/slides/slide8.xml><?xml version="1.0" encoding="utf-8"?>
 <p:sld xmlns:a="http://schemas.openxmlformats.org/drawingml/2006/main" xmlns:r="http://schemas.openxmlformats.org/officeDocument/2006/relationships" xmlns:p="http://schemas.openxmlformats.org/presentationml/2006/main">
   <p:cSld>
@@ -4991,14 +5370,12 @@
         </p:nvSpPr>
         <p:spPr/>
         <p:txBody>
-          <a:bodyPr>
-            <a:normAutofit/>
-          </a:bodyPr>
+          <a:bodyPr/>
           <a:lstStyle/>
           <a:p>
             <a:r>
               <a:rPr lang="en-US" dirty="0" smtClean="0"/>
-              <a:t>things to do</a:t>
+              <a:t>errors and solutions</a:t>
             </a:r>
             <a:endParaRPr lang="en-US" dirty="0"/>
           </a:p>
@@ -5014,31 +5391,37 @@
             <p:ph type="subTitle" idx="1"/>
           </p:nvPr>
         </p:nvSpPr>
-        <p:spPr/>
-        <p:txBody>
-          <a:bodyPr>
-            <a:normAutofit fontScale="92500"/>
-          </a:bodyPr>
+        <p:spPr>
+          <a:xfrm>
+            <a:off x="762000" y="2819400"/>
+            <a:ext cx="7931834" cy="1752600"/>
+          </a:xfrm>
+        </p:spPr>
+        <p:txBody>
+          <a:bodyPr/>
           <a:lstStyle/>
           <a:p>
-            <a:pPr lvl="0"/>
+            <a:r>
+              <a:rPr lang="en-US" dirty="0" err="1" smtClean="0"/>
+              <a:t>csv</a:t>
+            </a:r>
             <a:r>
               <a:rPr lang="en-US" dirty="0" smtClean="0"/>
-              <a:t>manipulation techniques</a:t>
-            </a:r>
-          </a:p>
-          <a:p>
-            <a:pPr lvl="0"/>
+              <a:t> &gt;&gt; </a:t>
+            </a:r>
+            <a:r>
+              <a:rPr lang="en-US" dirty="0" err="1" smtClean="0"/>
+              <a:t>compilible</a:t>
+            </a:r>
             <a:r>
               <a:rPr lang="en-US" dirty="0" smtClean="0"/>
-              <a:t>data representation on large scale</a:t>
-            </a:r>
-          </a:p>
-          <a:p>
-            <a:pPr lvl="0"/>
+              <a:t> = "package error“</a:t>
+            </a:r>
+          </a:p>
+          <a:p>
             <a:r>
               <a:rPr lang="en-US" dirty="0" smtClean="0"/>
-              <a:t>merging lots</a:t>
+              <a:t>sharing project files</a:t>
             </a:r>
             <a:endParaRPr lang="en-US" dirty="0"/>
           </a:p>
@@ -5049,6 +5432,110 @@
   <p:clrMapOvr>
     <a:masterClrMapping/>
   </p:clrMapOvr>
+  <p:timing>
+    <p:tnLst>
+      <p:par>
+        <p:cTn id="1" dur="indefinite" restart="never" nodeType="tmRoot"/>
+      </p:par>
+    </p:tnLst>
+  </p:timing>
+</p:sld>
+</file>
+
+<file path=ppt/slides/slide9.xml><?xml version="1.0" encoding="utf-8"?>
+<p:sld xmlns:a="http://schemas.openxmlformats.org/drawingml/2006/main" xmlns:r="http://schemas.openxmlformats.org/officeDocument/2006/relationships" xmlns:p="http://schemas.openxmlformats.org/presentationml/2006/main">
+  <p:cSld>
+    <p:spTree>
+      <p:nvGrpSpPr>
+        <p:cNvPr id="1" name=""/>
+        <p:cNvGrpSpPr/>
+        <p:nvPr/>
+      </p:nvGrpSpPr>
+      <p:grpSpPr>
+        <a:xfrm>
+          <a:off x="0" y="0"/>
+          <a:ext cx="0" cy="0"/>
+          <a:chOff x="0" y="0"/>
+          <a:chExt cx="0" cy="0"/>
+        </a:xfrm>
+      </p:grpSpPr>
+      <p:sp>
+        <p:nvSpPr>
+          <p:cNvPr id="2" name="Title 1"/>
+          <p:cNvSpPr>
+            <a:spLocks noGrp="1"/>
+          </p:cNvSpPr>
+          <p:nvPr>
+            <p:ph type="ctrTitle"/>
+          </p:nvPr>
+        </p:nvSpPr>
+        <p:spPr/>
+        <p:txBody>
+          <a:bodyPr>
+            <a:normAutofit/>
+          </a:bodyPr>
+          <a:lstStyle/>
+          <a:p>
+            <a:r>
+              <a:rPr lang="en-US" dirty="0" smtClean="0"/>
+              <a:t>things to do</a:t>
+            </a:r>
+            <a:endParaRPr lang="en-US" dirty="0"/>
+          </a:p>
+        </p:txBody>
+      </p:sp>
+      <p:sp>
+        <p:nvSpPr>
+          <p:cNvPr id="3" name="Content Placeholder 2"/>
+          <p:cNvSpPr>
+            <a:spLocks noGrp="1"/>
+          </p:cNvSpPr>
+          <p:nvPr>
+            <p:ph type="subTitle" idx="1"/>
+          </p:nvPr>
+        </p:nvSpPr>
+        <p:spPr/>
+        <p:txBody>
+          <a:bodyPr>
+            <a:normAutofit fontScale="92500"/>
+          </a:bodyPr>
+          <a:lstStyle/>
+          <a:p>
+            <a:pPr lvl="0"/>
+            <a:r>
+              <a:rPr lang="en-US" dirty="0" smtClean="0"/>
+              <a:t>manipulation techniques</a:t>
+            </a:r>
+          </a:p>
+          <a:p>
+            <a:pPr lvl="0"/>
+            <a:r>
+              <a:rPr lang="en-US" dirty="0" smtClean="0"/>
+              <a:t>data representation on large scale</a:t>
+            </a:r>
+          </a:p>
+          <a:p>
+            <a:pPr lvl="0"/>
+            <a:r>
+              <a:rPr lang="en-US" dirty="0" smtClean="0"/>
+              <a:t>merging lots</a:t>
+            </a:r>
+            <a:endParaRPr lang="en-US" dirty="0"/>
+          </a:p>
+        </p:txBody>
+      </p:sp>
+    </p:spTree>
+  </p:cSld>
+  <p:clrMapOvr>
+    <a:masterClrMapping/>
+  </p:clrMapOvr>
+  <p:timing>
+    <p:tnLst>
+      <p:par>
+        <p:cTn id="1" dur="indefinite" restart="never" nodeType="tmRoot"/>
+      </p:par>
+    </p:tnLst>
+  </p:timing>
 </p:sld>
 </file>
 
